--- a/doc/proj4_ads_01.pptx
+++ b/doc/proj4_ads_01.pptx
@@ -24345,8 +24345,8 @@
           </a:p>
         </p:txBody>
       </p:sp>
-      <mc:AlternateContent xmlns:mc="http://schemas.openxmlformats.org/markup-compatibility/2006">
-        <mc:Choice xmlns:a14="http://schemas.microsoft.com/office/drawing/2010/main" Requires="a14">
+      <mc:AlternateContent xmlns:mc="http://schemas.openxmlformats.org/markup-compatibility/2006" xmlns:a14="http://schemas.microsoft.com/office/drawing/2010/main">
+        <mc:Choice Requires="a14">
           <p:sp>
             <p:nvSpPr>
               <p:cNvPr id="3" name="Rectangle 2">
@@ -26649,7 +26649,7 @@
             </p:txBody>
           </p:sp>
         </mc:Choice>
-        <mc:Fallback>
+        <mc:Fallback xmlns="">
           <p:sp>
             <p:nvSpPr>
               <p:cNvPr id="3" name="Rectangle 2">
@@ -27370,8 +27370,8 @@
           </a:p>
         </p:txBody>
       </p:sp>
-      <mc:AlternateContent xmlns:mc="http://schemas.openxmlformats.org/markup-compatibility/2006">
-        <mc:Choice xmlns:a14="http://schemas.microsoft.com/office/drawing/2010/main" Requires="a14">
+      <mc:AlternateContent xmlns:mc="http://schemas.openxmlformats.org/markup-compatibility/2006" xmlns:a14="http://schemas.microsoft.com/office/drawing/2010/main">
+        <mc:Choice Requires="a14">
           <p:sp>
             <p:nvSpPr>
               <p:cNvPr id="3" name="Rectangle 2">
@@ -29497,7 +29497,7 @@
             </p:txBody>
           </p:sp>
         </mc:Choice>
-        <mc:Fallback>
+        <mc:Fallback xmlns="">
           <p:sp>
             <p:nvSpPr>
               <p:cNvPr id="3" name="Rectangle 2">
@@ -30223,8 +30223,8 @@
           </a:p>
         </p:txBody>
       </p:sp>
-      <mc:AlternateContent xmlns:mc="http://schemas.openxmlformats.org/markup-compatibility/2006" xmlns:a14="http://schemas.microsoft.com/office/drawing/2010/main">
-        <mc:Choice Requires="a14">
+      <mc:AlternateContent xmlns:mc="http://schemas.openxmlformats.org/markup-compatibility/2006">
+        <mc:Choice xmlns:a14="http://schemas.microsoft.com/office/drawing/2010/main" Requires="a14">
           <p:sp>
             <p:nvSpPr>
               <p:cNvPr id="3" name="Rectangle 2">
@@ -30240,7 +30240,7 @@
             <p:spPr>
               <a:xfrm>
                 <a:off x="-56151" y="543175"/>
-                <a:ext cx="9200151" cy="4576253"/>
+                <a:ext cx="9200151" cy="5196872"/>
               </a:xfrm>
               <a:prstGeom prst="rect">
                 <a:avLst/>
@@ -30391,12 +30391,6 @@
                         </m:ctrlPr>
                       </m:sSubPr>
                       <m:e>
-                        <m:r>
-                          <a:rPr lang="en-US" sz="1400" b="1" i="1">
-                            <a:latin typeface="Cambria Math" panose="02040503050406030204" pitchFamily="18" charset="0"/>
-                          </a:rPr>
-                          <m:t>, </m:t>
-                        </m:r>
                         <m:sSub>
                           <m:sSubPr>
                             <m:ctrlPr>
@@ -30508,11 +30502,570 @@
                     <a:ea typeface="DengXian" panose="02010600030101010101" pitchFamily="2" charset="-122"/>
                     <a:cs typeface="Times New Roman" panose="02020603050405020304" pitchFamily="18" charset="0"/>
                   </a:rPr>
-                  <a:t>	1. For each item:</a:t>
+                  <a:t>	</a:t>
+                </a:r>
+              </a:p>
+              <a:p>
+                <a:pPr algn="just">
+                  <a:spcAft>
+                    <a:spcPts val="0"/>
+                  </a:spcAft>
+                </a:pPr>
+                <a:r>
+                  <a:rPr lang="en-US" altLang="zh-CN" sz="1400" i="1" kern="100" dirty="0">
+                    <a:ea typeface="DengXian" panose="02010600030101010101" pitchFamily="2" charset="-122"/>
+                    <a:cs typeface="Times New Roman" panose="02020603050405020304" pitchFamily="18" charset="0"/>
+                  </a:rPr>
+                  <a:t>	 1.For each user: create new (1 q), (bias p), ratings minus mu and bi, then calculate</a:t>
+                </a:r>
+              </a:p>
+              <a:p>
+                <a:pPr algn="just">
+                  <a:spcAft>
+                    <a:spcPts val="0"/>
+                  </a:spcAft>
+                </a:pPr>
+                <a:r>
+                  <a:rPr lang="en-US" altLang="zh-CN" sz="1400" i="1" kern="100" dirty="0">
+                    <a:ea typeface="DengXian" panose="02010600030101010101" pitchFamily="2" charset="-122"/>
+                    <a:cs typeface="Times New Roman" panose="02020603050405020304" pitchFamily="18" charset="0"/>
+                  </a:rPr>
+                  <a:t>	  		 </a:t>
+                </a:r>
+                <a14:m>
+                  <m:oMath xmlns:m="http://schemas.openxmlformats.org/officeDocument/2006/math">
+                    <m:acc>
+                      <m:accPr>
+                        <m:chr m:val="̃"/>
+                        <m:ctrlPr>
+                          <a:rPr lang="en-US" sz="1400" b="1" i="1">
+                            <a:latin typeface="Cambria Math" panose="02040503050406030204" pitchFamily="18" charset="0"/>
+                          </a:rPr>
+                        </m:ctrlPr>
+                      </m:accPr>
+                      <m:e>
+                        <m:sSub>
+                          <m:sSubPr>
+                            <m:ctrlPr>
+                              <a:rPr lang="en-US" sz="1400" b="1" i="1">
+                                <a:latin typeface="Cambria Math" panose="02040503050406030204" pitchFamily="18" charset="0"/>
+                              </a:rPr>
+                            </m:ctrlPr>
+                          </m:sSubPr>
+                          <m:e>
+                            <m:r>
+                              <a:rPr lang="en-US" sz="1400" b="1" i="1">
+                                <a:latin typeface="Cambria Math" panose="02040503050406030204" pitchFamily="18" charset="0"/>
+                              </a:rPr>
+                              <m:t>𝒑</m:t>
+                            </m:r>
+                          </m:e>
+                          <m:sub>
+                            <m:r>
+                              <a:rPr lang="en-US" sz="1400" b="1" i="1">
+                                <a:latin typeface="Cambria Math" panose="02040503050406030204" pitchFamily="18" charset="0"/>
+                              </a:rPr>
+                              <m:t>𝒖</m:t>
+                            </m:r>
+                          </m:sub>
+                        </m:sSub>
+                      </m:e>
+                    </m:acc>
+                  </m:oMath>
+                </a14:m>
+                <a:r>
+                  <a:rPr lang="en-US" sz="1400" b="1" dirty="0"/>
+                  <a:t> </a:t>
+                </a:r>
+                <a14:m>
+                  <m:oMath xmlns:m="http://schemas.openxmlformats.org/officeDocument/2006/math">
+                    <m:r>
+                      <a:rPr lang="en-US" sz="1400" b="1">
+                        <a:latin typeface="Cambria Math" panose="02040503050406030204" pitchFamily="18" charset="0"/>
+                      </a:rPr>
+                      <m:t>:</m:t>
+                    </m:r>
+                    <m:r>
+                      <a:rPr lang="en-US" sz="1400" i="1">
+                        <a:latin typeface="Cambria Math" panose="02040503050406030204" pitchFamily="18" charset="0"/>
+                      </a:rPr>
+                      <m:t>= </m:t>
+                    </m:r>
+                    <m:d>
+                      <m:dPr>
+                        <m:ctrlPr>
+                          <a:rPr lang="en-US" sz="1400" i="1">
+                            <a:latin typeface="Cambria Math" panose="02040503050406030204" pitchFamily="18" charset="0"/>
+                          </a:rPr>
+                        </m:ctrlPr>
+                      </m:dPr>
+                      <m:e>
+                        <m:m>
+                          <m:mPr>
+                            <m:mcs>
+                              <m:mc>
+                                <m:mcPr>
+                                  <m:count m:val="1"/>
+                                  <m:mcJc m:val="center"/>
+                                </m:mcPr>
+                              </m:mc>
+                            </m:mcs>
+                            <m:ctrlPr>
+                              <a:rPr lang="en-US" sz="1400" i="1">
+                                <a:latin typeface="Cambria Math" panose="02040503050406030204" pitchFamily="18" charset="0"/>
+                              </a:rPr>
+                            </m:ctrlPr>
+                          </m:mPr>
+                          <m:mr>
+                            <m:e>
+                              <m:r>
+                                <a:rPr lang="en-US" sz="1400" b="1" i="1">
+                                  <a:latin typeface="Cambria Math" panose="02040503050406030204" pitchFamily="18" charset="0"/>
+                                </a:rPr>
+                                <m:t>𝒃𝒖</m:t>
+                              </m:r>
+                            </m:e>
+                          </m:mr>
+                          <m:mr>
+                            <m:e>
+                              <m:sSub>
+                                <m:sSubPr>
+                                  <m:ctrlPr>
+                                    <a:rPr lang="en-US" sz="1400" b="1" i="1">
+                                      <a:latin typeface="Cambria Math" panose="02040503050406030204" pitchFamily="18" charset="0"/>
+                                    </a:rPr>
+                                  </m:ctrlPr>
+                                </m:sSubPr>
+                                <m:e>
+                                  <m:r>
+                                    <a:rPr lang="en-US" sz="1400" b="1" i="1">
+                                      <a:latin typeface="Cambria Math" panose="02040503050406030204" pitchFamily="18" charset="0"/>
+                                    </a:rPr>
+                                    <m:t>𝒑</m:t>
+                                  </m:r>
+                                </m:e>
+                                <m:sub>
+                                  <m:r>
+                                    <a:rPr lang="en-US" sz="1400" b="1" i="1">
+                                      <a:latin typeface="Cambria Math" panose="02040503050406030204" pitchFamily="18" charset="0"/>
+                                    </a:rPr>
+                                    <m:t>𝒊</m:t>
+                                  </m:r>
+                                </m:sub>
+                              </m:sSub>
+                            </m:e>
+                          </m:mr>
+                        </m:m>
+                      </m:e>
+                    </m:d>
+                    <m:r>
+                      <a:rPr lang="en-US" sz="1400" i="1">
+                        <a:latin typeface="Cambria Math" panose="02040503050406030204" pitchFamily="18" charset="0"/>
+                      </a:rPr>
+                      <m:t>= </m:t>
+                    </m:r>
+                    <m:sSup>
+                      <m:sSupPr>
+                        <m:ctrlPr>
+                          <a:rPr lang="en-US" sz="1400" i="1">
+                            <a:latin typeface="Cambria Math" panose="02040503050406030204" pitchFamily="18" charset="0"/>
+                          </a:rPr>
+                        </m:ctrlPr>
+                      </m:sSupPr>
+                      <m:e>
+                        <m:r>
+                          <a:rPr lang="en-US" sz="1400" i="1">
+                            <a:latin typeface="Cambria Math" panose="02040503050406030204" pitchFamily="18" charset="0"/>
+                          </a:rPr>
+                          <m:t>(</m:t>
+                        </m:r>
+                        <m:sSup>
+                          <m:sSupPr>
+                            <m:ctrlPr>
+                              <a:rPr lang="en-US" sz="1400" b="1" i="1">
+                                <a:latin typeface="Cambria Math" panose="02040503050406030204" pitchFamily="18" charset="0"/>
+                              </a:rPr>
+                            </m:ctrlPr>
+                          </m:sSupPr>
+                          <m:e>
+                            <m:acc>
+                              <m:accPr>
+                                <m:chr m:val="̃"/>
+                                <m:ctrlPr>
+                                  <a:rPr lang="en-US" sz="1400" b="1" i="1">
+                                    <a:latin typeface="Cambria Math" panose="02040503050406030204" pitchFamily="18" charset="0"/>
+                                  </a:rPr>
+                                </m:ctrlPr>
+                              </m:accPr>
+                              <m:e>
+                                <m:sSub>
+                                  <m:sSubPr>
+                                    <m:ctrlPr>
+                                      <a:rPr lang="en-US" sz="1400" b="1" i="1">
+                                        <a:latin typeface="Cambria Math" panose="02040503050406030204" pitchFamily="18" charset="0"/>
+                                      </a:rPr>
+                                    </m:ctrlPr>
+                                  </m:sSubPr>
+                                  <m:e>
+                                    <m:r>
+                                      <a:rPr lang="en-US" sz="1400" b="1" i="1">
+                                        <a:latin typeface="Cambria Math" panose="02040503050406030204" pitchFamily="18" charset="0"/>
+                                      </a:rPr>
+                                      <m:t>𝒒</m:t>
+                                    </m:r>
+                                  </m:e>
+                                  <m:sub>
+                                    <m:r>
+                                      <a:rPr lang="en-US" sz="1400" b="1" i="1">
+                                        <a:latin typeface="Cambria Math" panose="02040503050406030204" pitchFamily="18" charset="0"/>
+                                      </a:rPr>
+                                      <m:t>𝒖</m:t>
+                                    </m:r>
+                                  </m:sub>
+                                </m:sSub>
+                              </m:e>
+                            </m:acc>
+                          </m:e>
+                          <m:sup>
+                            <m:r>
+                              <a:rPr lang="en-US" sz="1400" b="1" i="1">
+                                <a:latin typeface="Cambria Math" panose="02040503050406030204" pitchFamily="18" charset="0"/>
+                              </a:rPr>
+                              <m:t>𝑻</m:t>
+                            </m:r>
+                          </m:sup>
+                        </m:sSup>
+                        <m:acc>
+                          <m:accPr>
+                            <m:chr m:val="̃"/>
+                            <m:ctrlPr>
+                              <a:rPr lang="en-US" sz="1400" b="1" i="1">
+                                <a:latin typeface="Cambria Math" panose="02040503050406030204" pitchFamily="18" charset="0"/>
+                              </a:rPr>
+                            </m:ctrlPr>
+                          </m:accPr>
+                          <m:e>
+                            <m:sSub>
+                              <m:sSubPr>
+                                <m:ctrlPr>
+                                  <a:rPr lang="en-US" sz="1400" b="1" i="1">
+                                    <a:latin typeface="Cambria Math" panose="02040503050406030204" pitchFamily="18" charset="0"/>
+                                  </a:rPr>
+                                </m:ctrlPr>
+                              </m:sSubPr>
+                              <m:e>
+                                <m:r>
+                                  <a:rPr lang="en-US" sz="1400" b="1" i="1">
+                                    <a:latin typeface="Cambria Math" panose="02040503050406030204" pitchFamily="18" charset="0"/>
+                                  </a:rPr>
+                                  <m:t>𝒒</m:t>
+                                </m:r>
+                              </m:e>
+                              <m:sub>
+                                <m:r>
+                                  <a:rPr lang="en-US" sz="1400" b="1" i="1">
+                                    <a:latin typeface="Cambria Math" panose="02040503050406030204" pitchFamily="18" charset="0"/>
+                                  </a:rPr>
+                                  <m:t>𝒖</m:t>
+                                </m:r>
+                              </m:sub>
+                            </m:sSub>
+                          </m:e>
+                        </m:acc>
+                        <m:r>
+                          <a:rPr lang="en-US" sz="1400" b="1" i="1">
+                            <a:latin typeface="Cambria Math" panose="02040503050406030204" pitchFamily="18" charset="0"/>
+                          </a:rPr>
+                          <m:t>+ </m:t>
+                        </m:r>
+                        <m:r>
+                          <a:rPr lang="en-US" sz="1400" b="1" i="1">
+                            <a:latin typeface="Cambria Math" panose="02040503050406030204" pitchFamily="18" charset="0"/>
+                          </a:rPr>
+                          <m:t>𝝀</m:t>
+                        </m:r>
+                        <m:r>
+                          <a:rPr lang="en-US" sz="1400" b="1" i="1">
+                            <a:latin typeface="Cambria Math" panose="02040503050406030204" pitchFamily="18" charset="0"/>
+                          </a:rPr>
+                          <m:t>𝑰</m:t>
+                        </m:r>
+                        <m:r>
+                          <a:rPr lang="en-US" sz="1400" b="1" i="1">
+                            <a:latin typeface="Cambria Math" panose="02040503050406030204" pitchFamily="18" charset="0"/>
+                          </a:rPr>
+                          <m:t>) </m:t>
+                        </m:r>
+                      </m:e>
+                      <m:sup>
+                        <m:r>
+                          <a:rPr lang="en-US" sz="1400" i="1">
+                            <a:latin typeface="Cambria Math" panose="02040503050406030204" pitchFamily="18" charset="0"/>
+                          </a:rPr>
+                          <m:t>−1</m:t>
+                        </m:r>
+                      </m:sup>
+                    </m:sSup>
+                    <m:sSup>
+                      <m:sSupPr>
+                        <m:ctrlPr>
+                          <a:rPr lang="en-US" sz="1400" b="1" i="1">
+                            <a:latin typeface="Cambria Math" panose="02040503050406030204" pitchFamily="18" charset="0"/>
+                          </a:rPr>
+                        </m:ctrlPr>
+                      </m:sSupPr>
+                      <m:e>
+                        <m:acc>
+                          <m:accPr>
+                            <m:chr m:val="̃"/>
+                            <m:ctrlPr>
+                              <a:rPr lang="en-US" sz="1400" b="1" i="1">
+                                <a:latin typeface="Cambria Math" panose="02040503050406030204" pitchFamily="18" charset="0"/>
+                              </a:rPr>
+                            </m:ctrlPr>
+                          </m:accPr>
+                          <m:e>
+                            <m:sSub>
+                              <m:sSubPr>
+                                <m:ctrlPr>
+                                  <a:rPr lang="en-US" sz="1400" b="1" i="1">
+                                    <a:latin typeface="Cambria Math" panose="02040503050406030204" pitchFamily="18" charset="0"/>
+                                  </a:rPr>
+                                </m:ctrlPr>
+                              </m:sSubPr>
+                              <m:e>
+                                <m:r>
+                                  <a:rPr lang="en-US" sz="1400" b="1" i="1">
+                                    <a:latin typeface="Cambria Math" panose="02040503050406030204" pitchFamily="18" charset="0"/>
+                                  </a:rPr>
+                                  <m:t>𝒒</m:t>
+                                </m:r>
+                              </m:e>
+                              <m:sub>
+                                <m:r>
+                                  <a:rPr lang="en-US" sz="1400" b="1" i="1">
+                                    <a:latin typeface="Cambria Math" panose="02040503050406030204" pitchFamily="18" charset="0"/>
+                                  </a:rPr>
+                                  <m:t>𝒖</m:t>
+                                </m:r>
+                              </m:sub>
+                            </m:sSub>
+                          </m:e>
+                        </m:acc>
+                      </m:e>
+                      <m:sup>
+                        <m:r>
+                          <a:rPr lang="en-US" sz="1400" b="1" i="1">
+                            <a:latin typeface="Cambria Math" panose="02040503050406030204" pitchFamily="18" charset="0"/>
+                          </a:rPr>
+                          <m:t>𝑻</m:t>
+                        </m:r>
+                      </m:sup>
+                    </m:sSup>
+                    <m:sSup>
+                      <m:sSupPr>
+                        <m:ctrlPr>
+                          <a:rPr lang="en-US" sz="1400" b="1" i="1">
+                            <a:latin typeface="Cambria Math" panose="02040503050406030204" pitchFamily="18" charset="0"/>
+                          </a:rPr>
+                        </m:ctrlPr>
+                      </m:sSupPr>
+                      <m:e>
+                        <m:sSub>
+                          <m:sSubPr>
+                            <m:ctrlPr>
+                              <a:rPr lang="en-US" sz="1400" b="1" i="1">
+                                <a:latin typeface="Cambria Math" panose="02040503050406030204" pitchFamily="18" charset="0"/>
+                              </a:rPr>
+                            </m:ctrlPr>
+                          </m:sSubPr>
+                          <m:e>
+                            <m:r>
+                              <a:rPr lang="en-US" sz="1400" b="1" i="1">
+                                <a:latin typeface="Cambria Math" panose="02040503050406030204" pitchFamily="18" charset="0"/>
+                              </a:rPr>
+                              <m:t>𝒓</m:t>
+                            </m:r>
+                          </m:e>
+                          <m:sub>
+                            <m:r>
+                              <a:rPr lang="en-US" sz="1400" b="1" i="1">
+                                <a:latin typeface="Cambria Math" panose="02040503050406030204" pitchFamily="18" charset="0"/>
+                              </a:rPr>
+                              <m:t>𝒖</m:t>
+                            </m:r>
+                            <m:r>
+                              <a:rPr lang="en-US" sz="1400" b="1" i="1">
+                                <a:latin typeface="Cambria Math" panose="02040503050406030204" pitchFamily="18" charset="0"/>
+                              </a:rPr>
+                              <m:t>,</m:t>
+                            </m:r>
+                            <m:r>
+                              <a:rPr lang="en-US" sz="1400" b="1" i="1">
+                                <a:latin typeface="Cambria Math" panose="02040503050406030204" pitchFamily="18" charset="0"/>
+                              </a:rPr>
+                              <m:t>𝒊</m:t>
+                            </m:r>
+                          </m:sub>
+                        </m:sSub>
+                      </m:e>
+                      <m:sup>
+                        <m:r>
+                          <a:rPr lang="en-US" sz="1400" b="1" i="1">
+                            <a:latin typeface="Cambria Math" panose="02040503050406030204" pitchFamily="18" charset="0"/>
+                          </a:rPr>
+                          <m:t>′′</m:t>
+                        </m:r>
+                      </m:sup>
+                    </m:sSup>
+                  </m:oMath>
+                </a14:m>
+                <a:endParaRPr lang="en-US" altLang="zh-CN" sz="1400" i="1" kern="100" dirty="0">
+                  <a:ea typeface="DengXian" panose="02010600030101010101" pitchFamily="2" charset="-122"/>
+                  <a:cs typeface="Times New Roman" panose="02020603050405020304" pitchFamily="18" charset="0"/>
+                </a:endParaRPr>
+              </a:p>
+              <a:p>
+                <a:pPr algn="just">
+                  <a:spcAft>
+                    <a:spcPts val="0"/>
+                  </a:spcAft>
+                </a:pPr>
+                <a:r>
+                  <a:rPr lang="en-US" altLang="zh-CN" sz="1400" i="1" kern="100" dirty="0">
+                    <a:ea typeface="DengXian" panose="02010600030101010101" pitchFamily="2" charset="-122"/>
+                    <a:cs typeface="Times New Roman" panose="02020603050405020304" pitchFamily="18" charset="0"/>
+                  </a:rPr>
+                  <a:t>	update </a:t>
+                </a:r>
+                <a14:m>
+                  <m:oMath xmlns:m="http://schemas.openxmlformats.org/officeDocument/2006/math">
+                    <m:sSub>
+                      <m:sSubPr>
+                        <m:ctrlPr>
+                          <a:rPr lang="en-US" sz="1400" b="1" i="1">
+                            <a:latin typeface="Cambria Math" panose="02040503050406030204" pitchFamily="18" charset="0"/>
+                          </a:rPr>
+                        </m:ctrlPr>
+                      </m:sSubPr>
+                      <m:e>
+                        <m:r>
+                          <a:rPr lang="en-US" sz="1400" b="1" i="1">
+                            <a:latin typeface="Cambria Math" panose="02040503050406030204" pitchFamily="18" charset="0"/>
+                          </a:rPr>
+                          <m:t>𝒑</m:t>
+                        </m:r>
+                      </m:e>
+                      <m:sub>
+                        <m:r>
+                          <a:rPr lang="en-US" sz="1400" b="1" i="1">
+                            <a:latin typeface="Cambria Math" panose="02040503050406030204" pitchFamily="18" charset="0"/>
+                          </a:rPr>
+                          <m:t>𝒖</m:t>
+                        </m:r>
+                      </m:sub>
+                    </m:sSub>
+                    <m:r>
+                      <a:rPr lang="en-US" sz="1400" b="1" i="1">
+                        <a:latin typeface="Cambria Math" panose="02040503050406030204" pitchFamily="18" charset="0"/>
+                      </a:rPr>
+                      <m:t>, </m:t>
+                    </m:r>
+                    <m:sSub>
+                      <m:sSubPr>
+                        <m:ctrlPr>
+                          <a:rPr lang="en-US" sz="1400" b="1" i="1">
+                            <a:latin typeface="Cambria Math" panose="02040503050406030204" pitchFamily="18" charset="0"/>
+                          </a:rPr>
+                        </m:ctrlPr>
+                      </m:sSubPr>
+                      <m:e>
+                        <m:r>
+                          <a:rPr lang="en-US" sz="1400" b="1" i="1">
+                            <a:latin typeface="Cambria Math" panose="02040503050406030204" pitchFamily="18" charset="0"/>
+                          </a:rPr>
+                          <m:t>𝒃</m:t>
+                        </m:r>
+                      </m:e>
+                      <m:sub>
+                        <m:r>
+                          <a:rPr lang="en-US" sz="1400" b="1" i="1">
+                            <a:latin typeface="Cambria Math" panose="02040503050406030204" pitchFamily="18" charset="0"/>
+                          </a:rPr>
+                          <m:t>𝒖</m:t>
+                        </m:r>
+                      </m:sub>
+                    </m:sSub>
+                  </m:oMath>
+                </a14:m>
+                <a:endParaRPr lang="en-US" altLang="zh-CN" sz="1400" i="1" kern="100" dirty="0">
+                  <a:ea typeface="DengXian" panose="02010600030101010101" pitchFamily="2" charset="-122"/>
+                  <a:cs typeface="Times New Roman" panose="02020603050405020304" pitchFamily="18" charset="0"/>
+                </a:endParaRPr>
+              </a:p>
+              <a:p>
+                <a:pPr algn="just">
+                  <a:spcAft>
+                    <a:spcPts val="0"/>
+                  </a:spcAft>
+                </a:pPr>
+                <a:r>
+                  <a:rPr lang="en-US" altLang="zh-CN" sz="1400" i="1" kern="100" dirty="0">
+                    <a:ea typeface="DengXian" panose="02010600030101010101" pitchFamily="2" charset="-122"/>
+                    <a:cs typeface="Times New Roman" panose="02020603050405020304" pitchFamily="18" charset="0"/>
+                  </a:rPr>
+                  <a:t>	</a:t>
+                </a:r>
+              </a:p>
+              <a:p>
+                <a:pPr algn="just">
+                  <a:spcAft>
+                    <a:spcPts val="0"/>
+                  </a:spcAft>
+                </a:pPr>
+                <a:r>
+                  <a:rPr lang="en-US" altLang="zh-CN" sz="1400" i="1" kern="100" dirty="0">
+                    <a:ea typeface="DengXian" panose="02010600030101010101" pitchFamily="2" charset="-122"/>
+                    <a:cs typeface="Times New Roman" panose="02020603050405020304" pitchFamily="18" charset="0"/>
+                  </a:rPr>
+                  <a:t>	2. For each item:</a:t>
                 </a:r>
                 <a:r>
                   <a:rPr lang="en-US" sz="1400" b="1" dirty="0"/>
                   <a:t> </a:t>
+                </a:r>
+                <a:r>
+                  <a:rPr lang="en-US" altLang="zh-CN" sz="1400" i="1" kern="100" dirty="0">
+                    <a:ea typeface="DengXian" panose="02010600030101010101" pitchFamily="2" charset="-122"/>
+                    <a:cs typeface="Times New Roman" panose="02020603050405020304" pitchFamily="18" charset="0"/>
+                  </a:rPr>
+                  <a:t>create new (1 p), (bias q), ratings minus mu and </a:t>
+                </a:r>
+                <a:r>
+                  <a:rPr lang="en-US" altLang="zh-CN" sz="1400" i="1" kern="100" dirty="0" err="1">
+                    <a:ea typeface="DengXian" panose="02010600030101010101" pitchFamily="2" charset="-122"/>
+                    <a:cs typeface="Times New Roman" panose="02020603050405020304" pitchFamily="18" charset="0"/>
+                  </a:rPr>
+                  <a:t>bu</a:t>
+                </a:r>
+                <a:r>
+                  <a:rPr lang="en-US" altLang="zh-CN" sz="1400" i="1" kern="100" dirty="0">
+                    <a:ea typeface="DengXian" panose="02010600030101010101" pitchFamily="2" charset="-122"/>
+                    <a:cs typeface="Times New Roman" panose="02020603050405020304" pitchFamily="18" charset="0"/>
+                  </a:rPr>
+                  <a:t>, then calculate</a:t>
+                </a:r>
+                <a:endParaRPr lang="en-US" sz="1400" b="1" dirty="0"/>
+              </a:p>
+              <a:p>
+                <a:pPr algn="just">
+                  <a:spcAft>
+                    <a:spcPts val="0"/>
+                  </a:spcAft>
+                </a:pPr>
+                <a:r>
+                  <a:rPr lang="en-US" sz="1400" b="1" dirty="0"/>
+                  <a:t>			</a:t>
                 </a:r>
                 <a14:m>
                   <m:oMath xmlns:m="http://schemas.openxmlformats.org/officeDocument/2006/math">
@@ -31016,501 +31569,6 @@
                     <a:ea typeface="DengXian" panose="02010600030101010101" pitchFamily="2" charset="-122"/>
                     <a:cs typeface="Times New Roman" panose="02020603050405020304" pitchFamily="18" charset="0"/>
                   </a:rPr>
-                  <a:t>	2.For each user:   </a:t>
-                </a:r>
-                <a14:m>
-                  <m:oMath xmlns:m="http://schemas.openxmlformats.org/officeDocument/2006/math">
-                    <m:acc>
-                      <m:accPr>
-                        <m:chr m:val="̃"/>
-                        <m:ctrlPr>
-                          <a:rPr lang="en-US" sz="1400" b="1" i="1">
-                            <a:latin typeface="Cambria Math" panose="02040503050406030204" pitchFamily="18" charset="0"/>
-                          </a:rPr>
-                        </m:ctrlPr>
-                      </m:accPr>
-                      <m:e>
-                        <m:sSub>
-                          <m:sSubPr>
-                            <m:ctrlPr>
-                              <a:rPr lang="en-US" sz="1400" b="1" i="1">
-                                <a:latin typeface="Cambria Math" panose="02040503050406030204" pitchFamily="18" charset="0"/>
-                              </a:rPr>
-                            </m:ctrlPr>
-                          </m:sSubPr>
-                          <m:e>
-                            <m:r>
-                              <a:rPr lang="en-US" sz="1400" b="1" i="1">
-                                <a:latin typeface="Cambria Math" panose="02040503050406030204" pitchFamily="18" charset="0"/>
-                              </a:rPr>
-                              <m:t>𝒑</m:t>
-                            </m:r>
-                          </m:e>
-                          <m:sub>
-                            <m:r>
-                              <a:rPr lang="en-US" sz="1400" b="1" i="1">
-                                <a:latin typeface="Cambria Math" panose="02040503050406030204" pitchFamily="18" charset="0"/>
-                              </a:rPr>
-                              <m:t>𝒖</m:t>
-                            </m:r>
-                          </m:sub>
-                        </m:sSub>
-                      </m:e>
-                    </m:acc>
-                  </m:oMath>
-                </a14:m>
-                <a:r>
-                  <a:rPr lang="en-US" sz="1400" b="1" dirty="0"/>
-                  <a:t> </a:t>
-                </a:r>
-                <a14:m>
-                  <m:oMath xmlns:m="http://schemas.openxmlformats.org/officeDocument/2006/math">
-                    <m:r>
-                      <a:rPr lang="en-US" sz="1400" b="1" i="0" smtClean="0">
-                        <a:latin typeface="Cambria Math" panose="02040503050406030204" pitchFamily="18" charset="0"/>
-                      </a:rPr>
-                      <m:t>:</m:t>
-                    </m:r>
-                    <m:r>
-                      <a:rPr lang="en-US" sz="1400" i="1">
-                        <a:latin typeface="Cambria Math" panose="02040503050406030204" pitchFamily="18" charset="0"/>
-                      </a:rPr>
-                      <m:t>= </m:t>
-                    </m:r>
-                    <m:d>
-                      <m:dPr>
-                        <m:ctrlPr>
-                          <a:rPr lang="en-US" sz="1400" i="1">
-                            <a:latin typeface="Cambria Math" panose="02040503050406030204" pitchFamily="18" charset="0"/>
-                          </a:rPr>
-                        </m:ctrlPr>
-                      </m:dPr>
-                      <m:e>
-                        <m:m>
-                          <m:mPr>
-                            <m:mcs>
-                              <m:mc>
-                                <m:mcPr>
-                                  <m:count m:val="1"/>
-                                  <m:mcJc m:val="center"/>
-                                </m:mcPr>
-                              </m:mc>
-                            </m:mcs>
-                            <m:ctrlPr>
-                              <a:rPr lang="en-US" sz="1400" i="1">
-                                <a:latin typeface="Cambria Math" panose="02040503050406030204" pitchFamily="18" charset="0"/>
-                              </a:rPr>
-                            </m:ctrlPr>
-                          </m:mPr>
-                          <m:mr>
-                            <m:e>
-                              <m:r>
-                                <a:rPr lang="en-US" sz="1400" b="1" i="1">
-                                  <a:latin typeface="Cambria Math" panose="02040503050406030204" pitchFamily="18" charset="0"/>
-                                </a:rPr>
-                                <m:t>𝒃𝒖</m:t>
-                              </m:r>
-                            </m:e>
-                          </m:mr>
-                          <m:mr>
-                            <m:e>
-                              <m:sSub>
-                                <m:sSubPr>
-                                  <m:ctrlPr>
-                                    <a:rPr lang="en-US" sz="1400" b="1" i="1">
-                                      <a:latin typeface="Cambria Math" panose="02040503050406030204" pitchFamily="18" charset="0"/>
-                                    </a:rPr>
-                                  </m:ctrlPr>
-                                </m:sSubPr>
-                                <m:e>
-                                  <m:r>
-                                    <a:rPr lang="en-US" sz="1400" b="1" i="1">
-                                      <a:latin typeface="Cambria Math" panose="02040503050406030204" pitchFamily="18" charset="0"/>
-                                    </a:rPr>
-                                    <m:t>𝒑</m:t>
-                                  </m:r>
-                                </m:e>
-                                <m:sub>
-                                  <m:r>
-                                    <a:rPr lang="en-US" sz="1400" b="1" i="1">
-                                      <a:latin typeface="Cambria Math" panose="02040503050406030204" pitchFamily="18" charset="0"/>
-                                    </a:rPr>
-                                    <m:t>𝒊</m:t>
-                                  </m:r>
-                                </m:sub>
-                              </m:sSub>
-                            </m:e>
-                          </m:mr>
-                        </m:m>
-                      </m:e>
-                    </m:d>
-                    <m:r>
-                      <a:rPr lang="en-US" sz="1400" i="1">
-                        <a:latin typeface="Cambria Math" panose="02040503050406030204" pitchFamily="18" charset="0"/>
-                      </a:rPr>
-                      <m:t>= </m:t>
-                    </m:r>
-                    <m:sSup>
-                      <m:sSupPr>
-                        <m:ctrlPr>
-                          <a:rPr lang="en-US" sz="1400" i="1">
-                            <a:latin typeface="Cambria Math" panose="02040503050406030204" pitchFamily="18" charset="0"/>
-                          </a:rPr>
-                        </m:ctrlPr>
-                      </m:sSupPr>
-                      <m:e>
-                        <m:r>
-                          <a:rPr lang="en-US" sz="1400" i="1">
-                            <a:latin typeface="Cambria Math" panose="02040503050406030204" pitchFamily="18" charset="0"/>
-                          </a:rPr>
-                          <m:t>(</m:t>
-                        </m:r>
-                        <m:sSup>
-                          <m:sSupPr>
-                            <m:ctrlPr>
-                              <a:rPr lang="en-US" sz="1400" b="1" i="1">
-                                <a:latin typeface="Cambria Math" panose="02040503050406030204" pitchFamily="18" charset="0"/>
-                              </a:rPr>
-                            </m:ctrlPr>
-                          </m:sSupPr>
-                          <m:e>
-                            <m:acc>
-                              <m:accPr>
-                                <m:chr m:val="̃"/>
-                                <m:ctrlPr>
-                                  <a:rPr lang="en-US" sz="1400" b="1" i="1">
-                                    <a:latin typeface="Cambria Math" panose="02040503050406030204" pitchFamily="18" charset="0"/>
-                                  </a:rPr>
-                                </m:ctrlPr>
-                              </m:accPr>
-                              <m:e>
-                                <m:sSub>
-                                  <m:sSubPr>
-                                    <m:ctrlPr>
-                                      <a:rPr lang="en-US" sz="1400" b="1" i="1">
-                                        <a:latin typeface="Cambria Math" panose="02040503050406030204" pitchFamily="18" charset="0"/>
-                                      </a:rPr>
-                                    </m:ctrlPr>
-                                  </m:sSubPr>
-                                  <m:e>
-                                    <m:r>
-                                      <a:rPr lang="en-US" sz="1400" b="1" i="1">
-                                        <a:latin typeface="Cambria Math" panose="02040503050406030204" pitchFamily="18" charset="0"/>
-                                      </a:rPr>
-                                      <m:t>𝒒</m:t>
-                                    </m:r>
-                                  </m:e>
-                                  <m:sub>
-                                    <m:r>
-                                      <a:rPr lang="en-US" sz="1400" b="1" i="1">
-                                        <a:latin typeface="Cambria Math" panose="02040503050406030204" pitchFamily="18" charset="0"/>
-                                      </a:rPr>
-                                      <m:t>𝒖</m:t>
-                                    </m:r>
-                                  </m:sub>
-                                </m:sSub>
-                              </m:e>
-                            </m:acc>
-                          </m:e>
-                          <m:sup>
-                            <m:r>
-                              <a:rPr lang="en-US" sz="1400" b="1" i="1">
-                                <a:latin typeface="Cambria Math" panose="02040503050406030204" pitchFamily="18" charset="0"/>
-                              </a:rPr>
-                              <m:t>𝑻</m:t>
-                            </m:r>
-                          </m:sup>
-                        </m:sSup>
-                        <m:acc>
-                          <m:accPr>
-                            <m:chr m:val="̃"/>
-                            <m:ctrlPr>
-                              <a:rPr lang="en-US" sz="1400" b="1" i="1">
-                                <a:latin typeface="Cambria Math" panose="02040503050406030204" pitchFamily="18" charset="0"/>
-                              </a:rPr>
-                            </m:ctrlPr>
-                          </m:accPr>
-                          <m:e>
-                            <m:sSub>
-                              <m:sSubPr>
-                                <m:ctrlPr>
-                                  <a:rPr lang="en-US" sz="1400" b="1" i="1">
-                                    <a:latin typeface="Cambria Math" panose="02040503050406030204" pitchFamily="18" charset="0"/>
-                                  </a:rPr>
-                                </m:ctrlPr>
-                              </m:sSubPr>
-                              <m:e>
-                                <m:r>
-                                  <a:rPr lang="en-US" sz="1400" b="1" i="1">
-                                    <a:latin typeface="Cambria Math" panose="02040503050406030204" pitchFamily="18" charset="0"/>
-                                  </a:rPr>
-                                  <m:t>𝒒</m:t>
-                                </m:r>
-                              </m:e>
-                              <m:sub>
-                                <m:r>
-                                  <a:rPr lang="en-US" sz="1400" b="1" i="1">
-                                    <a:latin typeface="Cambria Math" panose="02040503050406030204" pitchFamily="18" charset="0"/>
-                                  </a:rPr>
-                                  <m:t>𝒖</m:t>
-                                </m:r>
-                              </m:sub>
-                            </m:sSub>
-                          </m:e>
-                        </m:acc>
-                        <m:r>
-                          <a:rPr lang="en-US" sz="1400" b="1" i="1">
-                            <a:latin typeface="Cambria Math" panose="02040503050406030204" pitchFamily="18" charset="0"/>
-                          </a:rPr>
-                          <m:t>+ </m:t>
-                        </m:r>
-                        <m:r>
-                          <a:rPr lang="en-US" sz="1400" b="1" i="1">
-                            <a:latin typeface="Cambria Math" panose="02040503050406030204" pitchFamily="18" charset="0"/>
-                          </a:rPr>
-                          <m:t>𝝀</m:t>
-                        </m:r>
-                        <m:r>
-                          <a:rPr lang="en-US" sz="1400" b="1" i="1">
-                            <a:latin typeface="Cambria Math" panose="02040503050406030204" pitchFamily="18" charset="0"/>
-                          </a:rPr>
-                          <m:t>𝑰</m:t>
-                        </m:r>
-                        <m:r>
-                          <a:rPr lang="en-US" sz="1400" b="1" i="1">
-                            <a:latin typeface="Cambria Math" panose="02040503050406030204" pitchFamily="18" charset="0"/>
-                          </a:rPr>
-                          <m:t>) </m:t>
-                        </m:r>
-                      </m:e>
-                      <m:sup>
-                        <m:r>
-                          <a:rPr lang="en-US" sz="1400" i="1">
-                            <a:latin typeface="Cambria Math" panose="02040503050406030204" pitchFamily="18" charset="0"/>
-                          </a:rPr>
-                          <m:t>−1</m:t>
-                        </m:r>
-                      </m:sup>
-                    </m:sSup>
-                    <m:sSup>
-                      <m:sSupPr>
-                        <m:ctrlPr>
-                          <a:rPr lang="en-US" sz="1400" b="1" i="1">
-                            <a:latin typeface="Cambria Math" panose="02040503050406030204" pitchFamily="18" charset="0"/>
-                          </a:rPr>
-                        </m:ctrlPr>
-                      </m:sSupPr>
-                      <m:e>
-                        <m:acc>
-                          <m:accPr>
-                            <m:chr m:val="̃"/>
-                            <m:ctrlPr>
-                              <a:rPr lang="en-US" sz="1400" b="1" i="1">
-                                <a:latin typeface="Cambria Math" panose="02040503050406030204" pitchFamily="18" charset="0"/>
-                              </a:rPr>
-                            </m:ctrlPr>
-                          </m:accPr>
-                          <m:e>
-                            <m:sSub>
-                              <m:sSubPr>
-                                <m:ctrlPr>
-                                  <a:rPr lang="en-US" sz="1400" b="1" i="1">
-                                    <a:latin typeface="Cambria Math" panose="02040503050406030204" pitchFamily="18" charset="0"/>
-                                  </a:rPr>
-                                </m:ctrlPr>
-                              </m:sSubPr>
-                              <m:e>
-                                <m:r>
-                                  <a:rPr lang="en-US" sz="1400" b="1" i="1">
-                                    <a:latin typeface="Cambria Math" panose="02040503050406030204" pitchFamily="18" charset="0"/>
-                                  </a:rPr>
-                                  <m:t>𝒒</m:t>
-                                </m:r>
-                              </m:e>
-                              <m:sub>
-                                <m:r>
-                                  <a:rPr lang="en-US" sz="1400" b="1" i="1">
-                                    <a:latin typeface="Cambria Math" panose="02040503050406030204" pitchFamily="18" charset="0"/>
-                                  </a:rPr>
-                                  <m:t>𝒖</m:t>
-                                </m:r>
-                              </m:sub>
-                            </m:sSub>
-                          </m:e>
-                        </m:acc>
-                      </m:e>
-                      <m:sup>
-                        <m:r>
-                          <a:rPr lang="en-US" sz="1400" b="1" i="1">
-                            <a:latin typeface="Cambria Math" panose="02040503050406030204" pitchFamily="18" charset="0"/>
-                          </a:rPr>
-                          <m:t>𝑻</m:t>
-                        </m:r>
-                      </m:sup>
-                    </m:sSup>
-                    <m:sSup>
-                      <m:sSupPr>
-                        <m:ctrlPr>
-                          <a:rPr lang="en-US" sz="1400" b="1" i="1">
-                            <a:latin typeface="Cambria Math" panose="02040503050406030204" pitchFamily="18" charset="0"/>
-                          </a:rPr>
-                        </m:ctrlPr>
-                      </m:sSupPr>
-                      <m:e>
-                        <m:sSub>
-                          <m:sSubPr>
-                            <m:ctrlPr>
-                              <a:rPr lang="en-US" sz="1400" b="1" i="1">
-                                <a:latin typeface="Cambria Math" panose="02040503050406030204" pitchFamily="18" charset="0"/>
-                              </a:rPr>
-                            </m:ctrlPr>
-                          </m:sSubPr>
-                          <m:e>
-                            <m:r>
-                              <a:rPr lang="en-US" sz="1400" b="1" i="1">
-                                <a:latin typeface="Cambria Math" panose="02040503050406030204" pitchFamily="18" charset="0"/>
-                              </a:rPr>
-                              <m:t>𝒓</m:t>
-                            </m:r>
-                          </m:e>
-                          <m:sub>
-                            <m:r>
-                              <a:rPr lang="en-US" sz="1400" b="1" i="1">
-                                <a:latin typeface="Cambria Math" panose="02040503050406030204" pitchFamily="18" charset="0"/>
-                              </a:rPr>
-                              <m:t>𝒖</m:t>
-                            </m:r>
-                            <m:r>
-                              <a:rPr lang="en-US" sz="1400" b="1" i="1">
-                                <a:latin typeface="Cambria Math" panose="02040503050406030204" pitchFamily="18" charset="0"/>
-                              </a:rPr>
-                              <m:t>,</m:t>
-                            </m:r>
-                            <m:r>
-                              <a:rPr lang="en-US" sz="1400" b="1" i="1">
-                                <a:latin typeface="Cambria Math" panose="02040503050406030204" pitchFamily="18" charset="0"/>
-                              </a:rPr>
-                              <m:t>𝒊</m:t>
-                            </m:r>
-                          </m:sub>
-                        </m:sSub>
-                      </m:e>
-                      <m:sup>
-                        <m:r>
-                          <a:rPr lang="en-US" sz="1400" b="1" i="1">
-                            <a:latin typeface="Cambria Math" panose="02040503050406030204" pitchFamily="18" charset="0"/>
-                          </a:rPr>
-                          <m:t>′′</m:t>
-                        </m:r>
-                      </m:sup>
-                    </m:sSup>
-                  </m:oMath>
-                </a14:m>
-                <a:endParaRPr lang="en-US" altLang="zh-CN" sz="1400" i="1" kern="100" dirty="0">
-                  <a:ea typeface="DengXian" panose="02010600030101010101" pitchFamily="2" charset="-122"/>
-                  <a:cs typeface="Times New Roman" panose="02020603050405020304" pitchFamily="18" charset="0"/>
-                </a:endParaRPr>
-              </a:p>
-              <a:p>
-                <a:pPr algn="just">
-                  <a:spcAft>
-                    <a:spcPts val="0"/>
-                  </a:spcAft>
-                </a:pPr>
-                <a:r>
-                  <a:rPr lang="en-US" altLang="zh-CN" sz="1400" i="1" kern="100" dirty="0">
-                    <a:ea typeface="DengXian" panose="02010600030101010101" pitchFamily="2" charset="-122"/>
-                    <a:cs typeface="Times New Roman" panose="02020603050405020304" pitchFamily="18" charset="0"/>
-                  </a:rPr>
-                  <a:t>	update </a:t>
-                </a:r>
-                <a14:m>
-                  <m:oMath xmlns:m="http://schemas.openxmlformats.org/officeDocument/2006/math">
-                    <m:sSub>
-                      <m:sSubPr>
-                        <m:ctrlPr>
-                          <a:rPr lang="en-US" sz="1400" b="1" i="1">
-                            <a:latin typeface="Cambria Math" panose="02040503050406030204" pitchFamily="18" charset="0"/>
-                          </a:rPr>
-                        </m:ctrlPr>
-                      </m:sSubPr>
-                      <m:e>
-                        <m:r>
-                          <a:rPr lang="en-US" sz="1400" b="1" i="1">
-                            <a:latin typeface="Cambria Math" panose="02040503050406030204" pitchFamily="18" charset="0"/>
-                          </a:rPr>
-                          <m:t>𝒑</m:t>
-                        </m:r>
-                      </m:e>
-                      <m:sub>
-                        <m:r>
-                          <a:rPr lang="en-US" sz="1400" b="1" i="1">
-                            <a:latin typeface="Cambria Math" panose="02040503050406030204" pitchFamily="18" charset="0"/>
-                          </a:rPr>
-                          <m:t>𝒖</m:t>
-                        </m:r>
-                      </m:sub>
-                    </m:sSub>
-                    <m:r>
-                      <a:rPr lang="en-US" sz="1400" b="1" i="1">
-                        <a:latin typeface="Cambria Math" panose="02040503050406030204" pitchFamily="18" charset="0"/>
-                      </a:rPr>
-                      <m:t>, </m:t>
-                    </m:r>
-                    <m:sSub>
-                      <m:sSubPr>
-                        <m:ctrlPr>
-                          <a:rPr lang="en-US" sz="1400" b="1" i="1" smtClean="0">
-                            <a:latin typeface="Cambria Math" panose="02040503050406030204" pitchFamily="18" charset="0"/>
-                          </a:rPr>
-                        </m:ctrlPr>
-                      </m:sSubPr>
-                      <m:e>
-                        <m:r>
-                          <a:rPr lang="en-US" sz="1400" b="1" i="1">
-                            <a:latin typeface="Cambria Math" panose="02040503050406030204" pitchFamily="18" charset="0"/>
-                          </a:rPr>
-                          <m:t>𝒃</m:t>
-                        </m:r>
-                      </m:e>
-                      <m:sub>
-                        <m:r>
-                          <a:rPr lang="en-US" sz="1400" b="1" i="1">
-                            <a:latin typeface="Cambria Math" panose="02040503050406030204" pitchFamily="18" charset="0"/>
-                          </a:rPr>
-                          <m:t>𝒖</m:t>
-                        </m:r>
-                      </m:sub>
-                    </m:sSub>
-                  </m:oMath>
-                </a14:m>
-                <a:endParaRPr lang="en-US" altLang="zh-CN" sz="1400" i="1" kern="100" dirty="0">
-                  <a:ea typeface="DengXian" panose="02010600030101010101" pitchFamily="2" charset="-122"/>
-                  <a:cs typeface="Times New Roman" panose="02020603050405020304" pitchFamily="18" charset="0"/>
-                </a:endParaRPr>
-              </a:p>
-              <a:p>
-                <a:pPr algn="just">
-                  <a:spcAft>
-                    <a:spcPts val="0"/>
-                  </a:spcAft>
-                </a:pPr>
-                <a:endParaRPr lang="en-US" altLang="zh-CN" sz="1400" i="1" kern="100" dirty="0">
-                  <a:ea typeface="DengXian" panose="02010600030101010101" pitchFamily="2" charset="-122"/>
-                  <a:cs typeface="Times New Roman" panose="02020603050405020304" pitchFamily="18" charset="0"/>
-                </a:endParaRPr>
-              </a:p>
-              <a:p>
-                <a:pPr algn="just">
-                  <a:spcAft>
-                    <a:spcPts val="0"/>
-                  </a:spcAft>
-                </a:pPr>
-                <a:r>
-                  <a:rPr lang="en-US" altLang="zh-CN" sz="1400" i="1" kern="100" dirty="0">
-                    <a:ea typeface="DengXian" panose="02010600030101010101" pitchFamily="2" charset="-122"/>
-                    <a:cs typeface="Times New Roman" panose="02020603050405020304" pitchFamily="18" charset="0"/>
-                  </a:rPr>
                   <a:t>	3. For each bin t:</a:t>
                 </a:r>
               </a:p>
@@ -31525,8 +31583,61 @@
                     <a:ea typeface="DengXian" panose="02010600030101010101" pitchFamily="2" charset="-122"/>
                     <a:cs typeface="Times New Roman" panose="02020603050405020304" pitchFamily="18" charset="0"/>
                   </a:rPr>
-                  <a:t>		For each item:</a:t>
+                  <a:t>		For each item: use fixed q, p, bi, </a:t>
                 </a:r>
+                <a:r>
+                  <a:rPr lang="en-US" altLang="zh-CN" sz="1400" i="1" kern="100" dirty="0" err="1">
+                    <a:ea typeface="DengXian" panose="02010600030101010101" pitchFamily="2" charset="-122"/>
+                    <a:cs typeface="Times New Roman" panose="02020603050405020304" pitchFamily="18" charset="0"/>
+                  </a:rPr>
+                  <a:t>bu</a:t>
+                </a:r>
+                <a:r>
+                  <a:rPr lang="en-US" altLang="zh-CN" sz="1400" i="1" kern="100" dirty="0">
+                    <a:ea typeface="DengXian" panose="02010600030101010101" pitchFamily="2" charset="-122"/>
+                    <a:cs typeface="Times New Roman" panose="02020603050405020304" pitchFamily="18" charset="0"/>
+                  </a:rPr>
+                  <a:t>, ratings –mu-bi-</a:t>
+                </a:r>
+                <a:r>
+                  <a:rPr lang="en-US" altLang="zh-CN" sz="1400" i="1" kern="100" dirty="0" err="1">
+                    <a:ea typeface="DengXian" panose="02010600030101010101" pitchFamily="2" charset="-122"/>
+                    <a:cs typeface="Times New Roman" panose="02020603050405020304" pitchFamily="18" charset="0"/>
+                  </a:rPr>
+                  <a:t>bu</a:t>
+                </a:r>
+                <a:r>
+                  <a:rPr lang="en-US" altLang="zh-CN" sz="1400" i="1" kern="100" dirty="0">
+                    <a:ea typeface="DengXian" panose="02010600030101010101" pitchFamily="2" charset="-122"/>
+                    <a:cs typeface="Times New Roman" panose="02020603050405020304" pitchFamily="18" charset="0"/>
+                  </a:rPr>
+                  <a:t>-</a:t>
+                </a:r>
+                <a:r>
+                  <a:rPr lang="en-US" altLang="zh-CN" sz="1400" i="1" kern="100" dirty="0" err="1">
+                    <a:ea typeface="DengXian" panose="02010600030101010101" pitchFamily="2" charset="-122"/>
+                    <a:cs typeface="Times New Roman" panose="02020603050405020304" pitchFamily="18" charset="0"/>
+                  </a:rPr>
+                  <a:t>q.T</a:t>
+                </a:r>
+                <a:r>
+                  <a:rPr lang="en-US" altLang="zh-CN" sz="1400" i="1" kern="100" dirty="0">
+                    <a:ea typeface="DengXian" panose="02010600030101010101" pitchFamily="2" charset="-122"/>
+                    <a:cs typeface="Times New Roman" panose="02020603050405020304" pitchFamily="18" charset="0"/>
+                  </a:rPr>
+                  <a:t>*p, then </a:t>
+                </a:r>
+                <a:r>
+                  <a:rPr lang="en-US" altLang="zh-CN" sz="1400" i="1" kern="100">
+                    <a:ea typeface="DengXian" panose="02010600030101010101" pitchFamily="2" charset="-122"/>
+                    <a:cs typeface="Times New Roman" panose="02020603050405020304" pitchFamily="18" charset="0"/>
+                  </a:rPr>
+                  <a:t>calcualte </a:t>
+                </a:r>
+                <a:endParaRPr lang="en-US" altLang="zh-CN" sz="1400" i="1" kern="100" dirty="0">
+                  <a:ea typeface="DengXian" panose="02010600030101010101" pitchFamily="2" charset="-122"/>
+                  <a:cs typeface="Times New Roman" panose="02020603050405020304" pitchFamily="18" charset="0"/>
+                </a:endParaRPr>
               </a:p>
               <a:p>
                 <a:r>
@@ -31815,7 +31926,7 @@
             </p:txBody>
           </p:sp>
         </mc:Choice>
-        <mc:Fallback xmlns="">
+        <mc:Fallback>
           <p:sp>
             <p:nvSpPr>
               <p:cNvPr id="3" name="Rectangle 2">
@@ -31833,7 +31944,7 @@
             <p:spPr>
               <a:xfrm>
                 <a:off x="-56151" y="543175"/>
-                <a:ext cx="9200151" cy="4576253"/>
+                <a:ext cx="9200151" cy="5196872"/>
               </a:xfrm>
               <a:prstGeom prst="rect">
                 <a:avLst/>
@@ -31841,7 +31952,7 @@
               <a:blipFill>
                 <a:blip r:embed="rId4"/>
                 <a:stretch>
-                  <a:fillRect l="-596" t="-666"/>
+                  <a:fillRect l="-596" t="-586"/>
                 </a:stretch>
               </a:blipFill>
             </p:spPr>
@@ -33427,8 +33538,8 @@
           </a:p>
         </p:txBody>
       </p:sp>
-      <mc:AlternateContent xmlns:mc="http://schemas.openxmlformats.org/markup-compatibility/2006">
-        <mc:Choice xmlns:a14="http://schemas.microsoft.com/office/drawing/2010/main" Requires="a14">
+      <mc:AlternateContent xmlns:mc="http://schemas.openxmlformats.org/markup-compatibility/2006" xmlns:a14="http://schemas.microsoft.com/office/drawing/2010/main">
+        <mc:Choice Requires="a14">
           <p:sp>
             <p:nvSpPr>
               <p:cNvPr id="3" name="Rectangle 2">
@@ -33993,7 +34104,7 @@
             </p:txBody>
           </p:sp>
         </mc:Choice>
-        <mc:Fallback>
+        <mc:Fallback xmlns="">
           <p:sp>
             <p:nvSpPr>
               <p:cNvPr id="3" name="Rectangle 2">
